--- a/グループQ_BlackPepper発表用_yo_07292128.pptx
+++ b/グループQ_BlackPepper発表用_yo_07292128.pptx
@@ -5856,10 +5856,26 @@
           <a:lstStyle/>
           <a:p>
             <a:r>
-              <a:rPr lang="en-US" altLang="ja-JP" smtClean="0"/>
+              <a:rPr lang="en-US" altLang="ja-JP" dirty="0" smtClean="0">
+                <a:effectLst>
+                  <a:outerShdw blurRad="38100" dist="38100" dir="2700000" algn="tl">
+                    <a:srgbClr val="000000">
+                      <a:alpha val="43137"/>
+                    </a:srgbClr>
+                  </a:outerShdw>
+                </a:effectLst>
+              </a:rPr>
               <a:t>2018/7/30</a:t>
             </a:r>
-            <a:endParaRPr lang="en-US" dirty="0"/>
+            <a:endParaRPr lang="en-US" dirty="0">
+              <a:effectLst>
+                <a:outerShdw blurRad="38100" dist="38100" dir="2700000" algn="tl">
+                  <a:srgbClr val="000000">
+                    <a:alpha val="43137"/>
+                  </a:srgbClr>
+                </a:outerShdw>
+              </a:effectLst>
+            </a:endParaRPr>
           </a:p>
         </p:txBody>
       </p:sp>
@@ -5879,10 +5895,26 @@
           <a:lstStyle/>
           <a:p>
             <a:fld id="{4CE482DC-2269-4F26-9D2A-7E44B1A4CD85}" type="slidenum">
-              <a:rPr lang="en-US" smtClean="0"/>
+              <a:rPr lang="en-US" smtClean="0">
+                <a:effectLst>
+                  <a:outerShdw blurRad="38100" dist="38100" dir="2700000" algn="tl">
+                    <a:srgbClr val="000000">
+                      <a:alpha val="43137"/>
+                    </a:srgbClr>
+                  </a:outerShdw>
+                </a:effectLst>
+              </a:rPr>
               <a:t>10</a:t>
             </a:fld>
-            <a:endParaRPr lang="en-US" dirty="0"/>
+            <a:endParaRPr lang="en-US" dirty="0">
+              <a:effectLst>
+                <a:outerShdw blurRad="38100" dist="38100" dir="2700000" algn="tl">
+                  <a:srgbClr val="000000">
+                    <a:alpha val="43137"/>
+                  </a:srgbClr>
+                </a:outerShdw>
+              </a:effectLst>
+            </a:endParaRPr>
           </a:p>
         </p:txBody>
       </p:sp>
@@ -6452,6 +6484,9 @@
           <a:prstGeom prst="rect">
             <a:avLst/>
           </a:prstGeom>
+          <a:ln>
+            <a:noFill/>
+          </a:ln>
         </p:spPr>
         <p:style>
           <a:lnRef idx="2">
@@ -6649,10 +6684,26 @@
           <a:lstStyle/>
           <a:p>
             <a:r>
-              <a:rPr lang="en-US" altLang="ja-JP" smtClean="0"/>
+              <a:rPr lang="en-US" altLang="ja-JP" smtClean="0">
+                <a:effectLst>
+                  <a:outerShdw blurRad="38100" dist="38100" dir="2700000" algn="tl">
+                    <a:srgbClr val="000000">
+                      <a:alpha val="43137"/>
+                    </a:srgbClr>
+                  </a:outerShdw>
+                </a:effectLst>
+              </a:rPr>
               <a:t>2018/7/30</a:t>
             </a:r>
-            <a:endParaRPr lang="en-US" dirty="0"/>
+            <a:endParaRPr lang="en-US" dirty="0">
+              <a:effectLst>
+                <a:outerShdw blurRad="38100" dist="38100" dir="2700000" algn="tl">
+                  <a:srgbClr val="000000">
+                    <a:alpha val="43137"/>
+                  </a:srgbClr>
+                </a:outerShdw>
+              </a:effectLst>
+            </a:endParaRPr>
           </a:p>
         </p:txBody>
       </p:sp>
@@ -6672,10 +6723,26 @@
           <a:lstStyle/>
           <a:p>
             <a:fld id="{4CE482DC-2269-4F26-9D2A-7E44B1A4CD85}" type="slidenum">
-              <a:rPr lang="en-US" smtClean="0"/>
+              <a:rPr lang="en-US" smtClean="0">
+                <a:effectLst>
+                  <a:outerShdw blurRad="38100" dist="38100" dir="2700000" algn="tl">
+                    <a:srgbClr val="000000">
+                      <a:alpha val="43137"/>
+                    </a:srgbClr>
+                  </a:outerShdw>
+                </a:effectLst>
+              </a:rPr>
               <a:t>11</a:t>
             </a:fld>
-            <a:endParaRPr lang="en-US" dirty="0"/>
+            <a:endParaRPr lang="en-US" dirty="0">
+              <a:effectLst>
+                <a:outerShdw blurRad="38100" dist="38100" dir="2700000" algn="tl">
+                  <a:srgbClr val="000000">
+                    <a:alpha val="43137"/>
+                  </a:srgbClr>
+                </a:outerShdw>
+              </a:effectLst>
+            </a:endParaRPr>
           </a:p>
         </p:txBody>
       </p:sp>
@@ -7057,10 +7124,26 @@
           <a:lstStyle/>
           <a:p>
             <a:r>
-              <a:rPr lang="en-US" altLang="ja-JP" smtClean="0"/>
+              <a:rPr lang="en-US" altLang="ja-JP" smtClean="0">
+                <a:effectLst>
+                  <a:outerShdw blurRad="38100" dist="38100" dir="2700000" algn="tl">
+                    <a:srgbClr val="000000">
+                      <a:alpha val="43137"/>
+                    </a:srgbClr>
+                  </a:outerShdw>
+                </a:effectLst>
+              </a:rPr>
               <a:t>2018/7/30</a:t>
             </a:r>
-            <a:endParaRPr lang="en-US" dirty="0"/>
+            <a:endParaRPr lang="en-US" dirty="0">
+              <a:effectLst>
+                <a:outerShdw blurRad="38100" dist="38100" dir="2700000" algn="tl">
+                  <a:srgbClr val="000000">
+                    <a:alpha val="43137"/>
+                  </a:srgbClr>
+                </a:outerShdw>
+              </a:effectLst>
+            </a:endParaRPr>
           </a:p>
         </p:txBody>
       </p:sp>
@@ -7080,10 +7163,26 @@
           <a:lstStyle/>
           <a:p>
             <a:fld id="{4CE482DC-2269-4F26-9D2A-7E44B1A4CD85}" type="slidenum">
-              <a:rPr lang="en-US" smtClean="0"/>
+              <a:rPr lang="en-US" smtClean="0">
+                <a:effectLst>
+                  <a:outerShdw blurRad="38100" dist="38100" dir="2700000" algn="tl">
+                    <a:srgbClr val="000000">
+                      <a:alpha val="43137"/>
+                    </a:srgbClr>
+                  </a:outerShdw>
+                </a:effectLst>
+              </a:rPr>
               <a:t>12</a:t>
             </a:fld>
-            <a:endParaRPr lang="en-US" dirty="0"/>
+            <a:endParaRPr lang="en-US" dirty="0">
+              <a:effectLst>
+                <a:outerShdw blurRad="38100" dist="38100" dir="2700000" algn="tl">
+                  <a:srgbClr val="000000">
+                    <a:alpha val="43137"/>
+                  </a:srgbClr>
+                </a:outerShdw>
+              </a:effectLst>
+            </a:endParaRPr>
           </a:p>
         </p:txBody>
       </p:sp>
@@ -7133,7 +7232,6 @@
               <a:rPr lang="ja-JP" altLang="en-US" dirty="0"/>
               <a:t>デモ</a:t>
             </a:r>
-            <a:endParaRPr lang="ja-JP" altLang="en-US" dirty="0"/>
           </a:p>
         </p:txBody>
       </p:sp>
@@ -7287,10 +7385,26 @@
           <a:lstStyle/>
           <a:p>
             <a:r>
-              <a:rPr lang="en-US" altLang="ja-JP" smtClean="0"/>
+              <a:rPr lang="en-US" altLang="ja-JP" smtClean="0">
+                <a:effectLst>
+                  <a:outerShdw blurRad="38100" dist="38100" dir="2700000" algn="tl">
+                    <a:srgbClr val="000000">
+                      <a:alpha val="43137"/>
+                    </a:srgbClr>
+                  </a:outerShdw>
+                </a:effectLst>
+              </a:rPr>
               <a:t>2018/7/30</a:t>
             </a:r>
-            <a:endParaRPr lang="en-US" dirty="0"/>
+            <a:endParaRPr lang="en-US" dirty="0">
+              <a:effectLst>
+                <a:outerShdw blurRad="38100" dist="38100" dir="2700000" algn="tl">
+                  <a:srgbClr val="000000">
+                    <a:alpha val="43137"/>
+                  </a:srgbClr>
+                </a:outerShdw>
+              </a:effectLst>
+            </a:endParaRPr>
           </a:p>
         </p:txBody>
       </p:sp>
@@ -7310,10 +7424,26 @@
           <a:lstStyle/>
           <a:p>
             <a:fld id="{4CE482DC-2269-4F26-9D2A-7E44B1A4CD85}" type="slidenum">
-              <a:rPr lang="en-US" smtClean="0"/>
+              <a:rPr lang="en-US" smtClean="0">
+                <a:effectLst>
+                  <a:outerShdw blurRad="38100" dist="38100" dir="2700000" algn="tl">
+                    <a:srgbClr val="000000">
+                      <a:alpha val="43137"/>
+                    </a:srgbClr>
+                  </a:outerShdw>
+                </a:effectLst>
+              </a:rPr>
               <a:t>13</a:t>
             </a:fld>
-            <a:endParaRPr lang="en-US" dirty="0"/>
+            <a:endParaRPr lang="en-US" dirty="0">
+              <a:effectLst>
+                <a:outerShdw blurRad="38100" dist="38100" dir="2700000" algn="tl">
+                  <a:srgbClr val="000000">
+                    <a:alpha val="43137"/>
+                  </a:srgbClr>
+                </a:outerShdw>
+              </a:effectLst>
+            </a:endParaRPr>
           </a:p>
         </p:txBody>
       </p:sp>
@@ -8484,7 +8614,6 @@
               <a:rPr lang="ja-JP" altLang="en-US" dirty="0"/>
               <a:t>ビジネスモデル</a:t>
             </a:r>
-            <a:endParaRPr lang="ja-JP" altLang="en-US" dirty="0"/>
           </a:p>
         </p:txBody>
       </p:sp>
@@ -8598,10 +8727,26 @@
           <a:lstStyle/>
           <a:p>
             <a:r>
-              <a:rPr lang="en-US" altLang="ja-JP" smtClean="0"/>
+              <a:rPr lang="en-US" altLang="ja-JP" smtClean="0">
+                <a:effectLst>
+                  <a:outerShdw blurRad="38100" dist="38100" dir="2700000" algn="tl">
+                    <a:srgbClr val="000000">
+                      <a:alpha val="43137"/>
+                    </a:srgbClr>
+                  </a:outerShdw>
+                </a:effectLst>
+              </a:rPr>
               <a:t>2018/7/30</a:t>
             </a:r>
-            <a:endParaRPr lang="en-US" dirty="0"/>
+            <a:endParaRPr lang="en-US" dirty="0">
+              <a:effectLst>
+                <a:outerShdw blurRad="38100" dist="38100" dir="2700000" algn="tl">
+                  <a:srgbClr val="000000">
+                    <a:alpha val="43137"/>
+                  </a:srgbClr>
+                </a:outerShdw>
+              </a:effectLst>
+            </a:endParaRPr>
           </a:p>
         </p:txBody>
       </p:sp>
@@ -8621,10 +8766,26 @@
           <a:lstStyle/>
           <a:p>
             <a:fld id="{4CE482DC-2269-4F26-9D2A-7E44B1A4CD85}" type="slidenum">
-              <a:rPr lang="en-US" smtClean="0"/>
+              <a:rPr lang="en-US" smtClean="0">
+                <a:effectLst>
+                  <a:outerShdw blurRad="38100" dist="38100" dir="2700000" algn="tl">
+                    <a:srgbClr val="000000">
+                      <a:alpha val="43137"/>
+                    </a:srgbClr>
+                  </a:outerShdw>
+                </a:effectLst>
+              </a:rPr>
               <a:t>14</a:t>
             </a:fld>
-            <a:endParaRPr lang="en-US" dirty="0"/>
+            <a:endParaRPr lang="en-US" dirty="0">
+              <a:effectLst>
+                <a:outerShdw blurRad="38100" dist="38100" dir="2700000" algn="tl">
+                  <a:srgbClr val="000000">
+                    <a:alpha val="43137"/>
+                  </a:srgbClr>
+                </a:outerShdw>
+              </a:effectLst>
+            </a:endParaRPr>
           </a:p>
         </p:txBody>
       </p:sp>
@@ -8938,7 +9099,6 @@
               <a:rPr lang="ja-JP" altLang="en-US" dirty="0"/>
               <a:t>今後の展望</a:t>
             </a:r>
-            <a:endParaRPr lang="ja-JP" altLang="en-US" dirty="0"/>
           </a:p>
         </p:txBody>
       </p:sp>
@@ -9069,11 +9229,7 @@
             </a:r>
             <a:r>
               <a:rPr lang="en-US" altLang="ja-JP" dirty="0" smtClean="0"/>
-              <a:t>0</a:t>
-            </a:r>
-            <a:r>
-              <a:rPr lang="en-US" altLang="ja-JP" dirty="0" smtClean="0"/>
-              <a:t>. </a:t>
+              <a:t>0. </a:t>
             </a:r>
             <a:r>
               <a:rPr lang="ja-JP" altLang="en-US" dirty="0" smtClean="0"/>
@@ -9204,10 +9360,26 @@
           <a:lstStyle/>
           <a:p>
             <a:r>
-              <a:rPr lang="en-US" altLang="ja-JP" smtClean="0"/>
+              <a:rPr lang="en-US" altLang="ja-JP" smtClean="0">
+                <a:effectLst>
+                  <a:outerShdw blurRad="38100" dist="38100" dir="2700000" algn="tl">
+                    <a:srgbClr val="000000">
+                      <a:alpha val="43137"/>
+                    </a:srgbClr>
+                  </a:outerShdw>
+                </a:effectLst>
+              </a:rPr>
               <a:t>2018/7/30</a:t>
             </a:r>
-            <a:endParaRPr lang="en-US" dirty="0"/>
+            <a:endParaRPr lang="en-US" dirty="0">
+              <a:effectLst>
+                <a:outerShdw blurRad="38100" dist="38100" dir="2700000" algn="tl">
+                  <a:srgbClr val="000000">
+                    <a:alpha val="43137"/>
+                  </a:srgbClr>
+                </a:outerShdw>
+              </a:effectLst>
+            </a:endParaRPr>
           </a:p>
         </p:txBody>
       </p:sp>
@@ -9227,10 +9399,26 @@
           <a:lstStyle/>
           <a:p>
             <a:fld id="{4CE482DC-2269-4F26-9D2A-7E44B1A4CD85}" type="slidenum">
-              <a:rPr lang="en-US" smtClean="0"/>
+              <a:rPr lang="en-US" smtClean="0">
+                <a:effectLst>
+                  <a:outerShdw blurRad="38100" dist="38100" dir="2700000" algn="tl">
+                    <a:srgbClr val="000000">
+                      <a:alpha val="43137"/>
+                    </a:srgbClr>
+                  </a:outerShdw>
+                </a:effectLst>
+              </a:rPr>
               <a:t>15</a:t>
             </a:fld>
-            <a:endParaRPr lang="en-US" dirty="0"/>
+            <a:endParaRPr lang="en-US" dirty="0">
+              <a:effectLst>
+                <a:outerShdw blurRad="38100" dist="38100" dir="2700000" algn="tl">
+                  <a:srgbClr val="000000">
+                    <a:alpha val="43137"/>
+                  </a:srgbClr>
+                </a:outerShdw>
+              </a:effectLst>
+            </a:endParaRPr>
           </a:p>
         </p:txBody>
       </p:sp>
@@ -9356,11 +9544,7 @@
             </a:r>
             <a:r>
               <a:rPr lang="ja-JP" altLang="en-US" dirty="0" smtClean="0"/>
-              <a:t>概要 </a:t>
-            </a:r>
-            <a:r>
-              <a:rPr lang="ja-JP" altLang="en-US" dirty="0" smtClean="0"/>
-              <a:t>　</a:t>
+              <a:t>概要 　</a:t>
             </a:r>
             <a:r>
               <a:rPr lang="en-US" altLang="ja-JP" dirty="0" smtClean="0"/>
@@ -9390,10 +9574,26 @@
           <a:lstStyle/>
           <a:p>
             <a:r>
-              <a:rPr lang="en-US" altLang="ja-JP" smtClean="0"/>
+              <a:rPr lang="en-US" altLang="ja-JP" smtClean="0">
+                <a:effectLst>
+                  <a:outerShdw blurRad="38100" dist="38100" dir="2700000" algn="tl">
+                    <a:srgbClr val="000000">
+                      <a:alpha val="43137"/>
+                    </a:srgbClr>
+                  </a:outerShdw>
+                </a:effectLst>
+              </a:rPr>
               <a:t>2018/7/30</a:t>
             </a:r>
-            <a:endParaRPr lang="en-US" dirty="0"/>
+            <a:endParaRPr lang="en-US" dirty="0">
+              <a:effectLst>
+                <a:outerShdw blurRad="38100" dist="38100" dir="2700000" algn="tl">
+                  <a:srgbClr val="000000">
+                    <a:alpha val="43137"/>
+                  </a:srgbClr>
+                </a:outerShdw>
+              </a:effectLst>
+            </a:endParaRPr>
           </a:p>
         </p:txBody>
       </p:sp>
@@ -9413,10 +9613,26 @@
           <a:lstStyle/>
           <a:p>
             <a:fld id="{4CE482DC-2269-4F26-9D2A-7E44B1A4CD85}" type="slidenum">
-              <a:rPr lang="en-US" smtClean="0"/>
+              <a:rPr lang="en-US" smtClean="0">
+                <a:effectLst>
+                  <a:outerShdw blurRad="38100" dist="38100" dir="2700000" algn="tl">
+                    <a:srgbClr val="000000">
+                      <a:alpha val="43137"/>
+                    </a:srgbClr>
+                  </a:outerShdw>
+                </a:effectLst>
+              </a:rPr>
               <a:t>16</a:t>
             </a:fld>
-            <a:endParaRPr lang="en-US" dirty="0"/>
+            <a:endParaRPr lang="en-US" dirty="0">
+              <a:effectLst>
+                <a:outerShdw blurRad="38100" dist="38100" dir="2700000" algn="tl">
+                  <a:srgbClr val="000000">
+                    <a:alpha val="43137"/>
+                  </a:srgbClr>
+                </a:outerShdw>
+              </a:effectLst>
+            </a:endParaRPr>
           </a:p>
         </p:txBody>
       </p:sp>
@@ -10081,10 +10297,26 @@
           <a:lstStyle/>
           <a:p>
             <a:r>
-              <a:rPr lang="en-US" altLang="ja-JP" smtClean="0"/>
+              <a:rPr lang="en-US" altLang="ja-JP" smtClean="0">
+                <a:effectLst>
+                  <a:outerShdw blurRad="38100" dist="38100" dir="2700000" algn="tl">
+                    <a:srgbClr val="000000">
+                      <a:alpha val="43137"/>
+                    </a:srgbClr>
+                  </a:outerShdw>
+                </a:effectLst>
+              </a:rPr>
               <a:t>2018/7/30</a:t>
             </a:r>
-            <a:endParaRPr lang="en-US" dirty="0"/>
+            <a:endParaRPr lang="en-US" dirty="0">
+              <a:effectLst>
+                <a:outerShdw blurRad="38100" dist="38100" dir="2700000" algn="tl">
+                  <a:srgbClr val="000000">
+                    <a:alpha val="43137"/>
+                  </a:srgbClr>
+                </a:outerShdw>
+              </a:effectLst>
+            </a:endParaRPr>
           </a:p>
         </p:txBody>
       </p:sp>
@@ -10104,10 +10336,26 @@
           <a:lstStyle/>
           <a:p>
             <a:fld id="{4CE482DC-2269-4F26-9D2A-7E44B1A4CD85}" type="slidenum">
-              <a:rPr lang="en-US" smtClean="0"/>
+              <a:rPr lang="en-US" smtClean="0">
+                <a:effectLst>
+                  <a:outerShdw blurRad="38100" dist="38100" dir="2700000" algn="tl">
+                    <a:srgbClr val="000000">
+                      <a:alpha val="43137"/>
+                    </a:srgbClr>
+                  </a:outerShdw>
+                </a:effectLst>
+              </a:rPr>
               <a:t>17</a:t>
             </a:fld>
-            <a:endParaRPr lang="en-US" dirty="0"/>
+            <a:endParaRPr lang="en-US" dirty="0">
+              <a:effectLst>
+                <a:outerShdw blurRad="38100" dist="38100" dir="2700000" algn="tl">
+                  <a:srgbClr val="000000">
+                    <a:alpha val="43137"/>
+                  </a:srgbClr>
+                </a:outerShdw>
+              </a:effectLst>
+            </a:endParaRPr>
           </a:p>
         </p:txBody>
       </p:sp>
@@ -11098,11 +11346,7 @@
           <a:p>
             <a:r>
               <a:rPr kumimoji="1" lang="ja-JP" altLang="en-US" sz="2800" dirty="0" smtClean="0"/>
-              <a:t>・</a:t>
-            </a:r>
-            <a:r>
-              <a:rPr kumimoji="1" lang="ja-JP" altLang="en-US" sz="2800" dirty="0" smtClean="0"/>
-              <a:t>デザイン</a:t>
+              <a:t>・デザイン</a:t>
             </a:r>
             <a:endParaRPr kumimoji="1" lang="en-US" altLang="ja-JP" sz="2800" dirty="0" smtClean="0"/>
           </a:p>
@@ -11277,10 +11521,26 @@
           <a:lstStyle/>
           <a:p>
             <a:r>
-              <a:rPr lang="en-US" altLang="ja-JP" smtClean="0"/>
+              <a:rPr lang="en-US" altLang="ja-JP" smtClean="0">
+                <a:effectLst>
+                  <a:outerShdw blurRad="38100" dist="38100" dir="2700000" algn="tl">
+                    <a:srgbClr val="000000">
+                      <a:alpha val="43137"/>
+                    </a:srgbClr>
+                  </a:outerShdw>
+                </a:effectLst>
+              </a:rPr>
               <a:t>2018/7/30</a:t>
             </a:r>
-            <a:endParaRPr lang="en-US" dirty="0"/>
+            <a:endParaRPr lang="en-US" dirty="0">
+              <a:effectLst>
+                <a:outerShdw blurRad="38100" dist="38100" dir="2700000" algn="tl">
+                  <a:srgbClr val="000000">
+                    <a:alpha val="43137"/>
+                  </a:srgbClr>
+                </a:outerShdw>
+              </a:effectLst>
+            </a:endParaRPr>
           </a:p>
         </p:txBody>
       </p:sp>
@@ -11300,10 +11560,26 @@
           <a:lstStyle/>
           <a:p>
             <a:fld id="{4CE482DC-2269-4F26-9D2A-7E44B1A4CD85}" type="slidenum">
-              <a:rPr lang="en-US" smtClean="0"/>
+              <a:rPr lang="en-US" smtClean="0">
+                <a:effectLst>
+                  <a:outerShdw blurRad="38100" dist="38100" dir="2700000" algn="tl">
+                    <a:srgbClr val="000000">
+                      <a:alpha val="43137"/>
+                    </a:srgbClr>
+                  </a:outerShdw>
+                </a:effectLst>
+              </a:rPr>
               <a:t>18</a:t>
             </a:fld>
-            <a:endParaRPr lang="en-US" dirty="0"/>
+            <a:endParaRPr lang="en-US" dirty="0">
+              <a:effectLst>
+                <a:outerShdw blurRad="38100" dist="38100" dir="2700000" algn="tl">
+                  <a:srgbClr val="000000">
+                    <a:alpha val="43137"/>
+                  </a:srgbClr>
+                </a:outerShdw>
+              </a:effectLst>
+            </a:endParaRPr>
           </a:p>
         </p:txBody>
       </p:sp>
@@ -12093,10 +12369,26 @@
           <a:lstStyle/>
           <a:p>
             <a:r>
-              <a:rPr lang="en-US" altLang="ja-JP" smtClean="0"/>
+              <a:rPr lang="en-US" altLang="ja-JP" smtClean="0">
+                <a:effectLst>
+                  <a:outerShdw blurRad="38100" dist="38100" dir="2700000" algn="tl">
+                    <a:srgbClr val="000000">
+                      <a:alpha val="43137"/>
+                    </a:srgbClr>
+                  </a:outerShdw>
+                </a:effectLst>
+              </a:rPr>
               <a:t>2018/7/30</a:t>
             </a:r>
-            <a:endParaRPr lang="en-US" dirty="0"/>
+            <a:endParaRPr lang="en-US" dirty="0">
+              <a:effectLst>
+                <a:outerShdw blurRad="38100" dist="38100" dir="2700000" algn="tl">
+                  <a:srgbClr val="000000">
+                    <a:alpha val="43137"/>
+                  </a:srgbClr>
+                </a:outerShdw>
+              </a:effectLst>
+            </a:endParaRPr>
           </a:p>
         </p:txBody>
       </p:sp>
@@ -12116,10 +12408,26 @@
           <a:lstStyle/>
           <a:p>
             <a:fld id="{4CE482DC-2269-4F26-9D2A-7E44B1A4CD85}" type="slidenum">
-              <a:rPr lang="en-US" smtClean="0"/>
+              <a:rPr lang="en-US" smtClean="0">
+                <a:effectLst>
+                  <a:outerShdw blurRad="38100" dist="38100" dir="2700000" algn="tl">
+                    <a:srgbClr val="000000">
+                      <a:alpha val="43137"/>
+                    </a:srgbClr>
+                  </a:outerShdw>
+                </a:effectLst>
+              </a:rPr>
               <a:t>19</a:t>
             </a:fld>
-            <a:endParaRPr lang="en-US" dirty="0"/>
+            <a:endParaRPr lang="en-US" dirty="0">
+              <a:effectLst>
+                <a:outerShdw blurRad="38100" dist="38100" dir="2700000" algn="tl">
+                  <a:srgbClr val="000000">
+                    <a:alpha val="43137"/>
+                  </a:srgbClr>
+                </a:outerShdw>
+              </a:effectLst>
+            </a:endParaRPr>
           </a:p>
         </p:txBody>
       </p:sp>
@@ -12353,11 +12661,7 @@
             </a:pPr>
             <a:r>
               <a:rPr kumimoji="1" lang="ja-JP" altLang="en-US" sz="3200" dirty="0" smtClean="0"/>
-              <a:t>プロジェクト実施</a:t>
-            </a:r>
-            <a:r>
-              <a:rPr kumimoji="1" lang="ja-JP" altLang="en-US" sz="3200" dirty="0" smtClean="0"/>
-              <a:t>概要</a:t>
+              <a:t>プロジェクト実施概要</a:t>
             </a:r>
             <a:endParaRPr kumimoji="1" lang="en-US" altLang="ja-JP" sz="3200" dirty="0" smtClean="0"/>
           </a:p>
@@ -12393,10 +12697,26 @@
           <a:lstStyle/>
           <a:p>
             <a:r>
-              <a:rPr lang="en-US" altLang="ja-JP" smtClean="0"/>
+              <a:rPr lang="en-US" altLang="ja-JP" smtClean="0">
+                <a:effectLst>
+                  <a:outerShdw blurRad="38100" dist="38100" dir="2700000" algn="tl">
+                    <a:srgbClr val="000000">
+                      <a:alpha val="43137"/>
+                    </a:srgbClr>
+                  </a:outerShdw>
+                </a:effectLst>
+              </a:rPr>
               <a:t>2018/7/30</a:t>
             </a:r>
-            <a:endParaRPr lang="en-US" dirty="0"/>
+            <a:endParaRPr lang="en-US" dirty="0">
+              <a:effectLst>
+                <a:outerShdw blurRad="38100" dist="38100" dir="2700000" algn="tl">
+                  <a:srgbClr val="000000">
+                    <a:alpha val="43137"/>
+                  </a:srgbClr>
+                </a:outerShdw>
+              </a:effectLst>
+            </a:endParaRPr>
           </a:p>
         </p:txBody>
       </p:sp>
@@ -12416,10 +12736,26 @@
           <a:lstStyle/>
           <a:p>
             <a:fld id="{4CE482DC-2269-4F26-9D2A-7E44B1A4CD85}" type="slidenum">
-              <a:rPr lang="en-US" smtClean="0"/>
+              <a:rPr lang="en-US" smtClean="0">
+                <a:effectLst>
+                  <a:outerShdw blurRad="38100" dist="38100" dir="2700000" algn="tl">
+                    <a:srgbClr val="000000">
+                      <a:alpha val="43137"/>
+                    </a:srgbClr>
+                  </a:outerShdw>
+                </a:effectLst>
+              </a:rPr>
               <a:t>2</a:t>
             </a:fld>
-            <a:endParaRPr lang="en-US" dirty="0"/>
+            <a:endParaRPr lang="en-US" dirty="0">
+              <a:effectLst>
+                <a:outerShdw blurRad="38100" dist="38100" dir="2700000" algn="tl">
+                  <a:srgbClr val="000000">
+                    <a:alpha val="43137"/>
+                  </a:srgbClr>
+                </a:outerShdw>
+              </a:effectLst>
+            </a:endParaRPr>
           </a:p>
         </p:txBody>
       </p:sp>
@@ -12476,10 +12812,26 @@
           <a:lstStyle/>
           <a:p>
             <a:r>
-              <a:rPr lang="en-US" altLang="ja-JP" smtClean="0"/>
+              <a:rPr lang="en-US" altLang="ja-JP" smtClean="0">
+                <a:effectLst>
+                  <a:outerShdw blurRad="38100" dist="38100" dir="2700000" algn="tl">
+                    <a:srgbClr val="000000">
+                      <a:alpha val="43137"/>
+                    </a:srgbClr>
+                  </a:outerShdw>
+                </a:effectLst>
+              </a:rPr>
               <a:t>2018/7/30</a:t>
             </a:r>
-            <a:endParaRPr lang="en-US" dirty="0"/>
+            <a:endParaRPr lang="en-US" dirty="0">
+              <a:effectLst>
+                <a:outerShdw blurRad="38100" dist="38100" dir="2700000" algn="tl">
+                  <a:srgbClr val="000000">
+                    <a:alpha val="43137"/>
+                  </a:srgbClr>
+                </a:outerShdw>
+              </a:effectLst>
+            </a:endParaRPr>
           </a:p>
         </p:txBody>
       </p:sp>
@@ -12499,10 +12851,26 @@
           <a:lstStyle/>
           <a:p>
             <a:fld id="{4CE482DC-2269-4F26-9D2A-7E44B1A4CD85}" type="slidenum">
-              <a:rPr lang="en-US" smtClean="0"/>
+              <a:rPr lang="en-US" smtClean="0">
+                <a:effectLst>
+                  <a:outerShdw blurRad="38100" dist="38100" dir="2700000" algn="tl">
+                    <a:srgbClr val="000000">
+                      <a:alpha val="43137"/>
+                    </a:srgbClr>
+                  </a:outerShdw>
+                </a:effectLst>
+              </a:rPr>
               <a:t>20</a:t>
             </a:fld>
-            <a:endParaRPr lang="en-US" dirty="0"/>
+            <a:endParaRPr lang="en-US" dirty="0">
+              <a:effectLst>
+                <a:outerShdw blurRad="38100" dist="38100" dir="2700000" algn="tl">
+                  <a:srgbClr val="000000">
+                    <a:alpha val="43137"/>
+                  </a:srgbClr>
+                </a:outerShdw>
+              </a:effectLst>
+            </a:endParaRPr>
           </a:p>
         </p:txBody>
       </p:sp>
@@ -13486,11 +13854,7 @@
             </a:r>
             <a:r>
               <a:rPr lang="ja-JP" altLang="en-US" dirty="0" smtClean="0"/>
-              <a:t>個人の</a:t>
-            </a:r>
-            <a:r>
-              <a:rPr lang="ja-JP" altLang="en-US" dirty="0" smtClean="0"/>
-              <a:t>振り返り　　倉田　淳史</a:t>
+              <a:t>個人の振り返り　　倉田　淳史</a:t>
             </a:r>
             <a:endParaRPr kumimoji="1" lang="ja-JP" altLang="en-US" dirty="0"/>
           </a:p>
@@ -13512,10 +13876,26 @@
           <a:lstStyle/>
           <a:p>
             <a:r>
-              <a:rPr lang="en-US" altLang="ja-JP" smtClean="0"/>
+              <a:rPr lang="en-US" altLang="ja-JP" smtClean="0">
+                <a:effectLst>
+                  <a:outerShdw blurRad="38100" dist="38100" dir="2700000" algn="tl">
+                    <a:srgbClr val="000000">
+                      <a:alpha val="43137"/>
+                    </a:srgbClr>
+                  </a:outerShdw>
+                </a:effectLst>
+              </a:rPr>
               <a:t>2018/7/30</a:t>
             </a:r>
-            <a:endParaRPr lang="en-US" dirty="0"/>
+            <a:endParaRPr lang="en-US" dirty="0">
+              <a:effectLst>
+                <a:outerShdw blurRad="38100" dist="38100" dir="2700000" algn="tl">
+                  <a:srgbClr val="000000">
+                    <a:alpha val="43137"/>
+                  </a:srgbClr>
+                </a:outerShdw>
+              </a:effectLst>
+            </a:endParaRPr>
           </a:p>
         </p:txBody>
       </p:sp>
@@ -13535,10 +13915,26 @@
           <a:lstStyle/>
           <a:p>
             <a:fld id="{4CE482DC-2269-4F26-9D2A-7E44B1A4CD85}" type="slidenum">
-              <a:rPr lang="en-US" smtClean="0"/>
+              <a:rPr lang="en-US" smtClean="0">
+                <a:effectLst>
+                  <a:outerShdw blurRad="38100" dist="38100" dir="2700000" algn="tl">
+                    <a:srgbClr val="000000">
+                      <a:alpha val="43137"/>
+                    </a:srgbClr>
+                  </a:outerShdw>
+                </a:effectLst>
+              </a:rPr>
               <a:t>21</a:t>
             </a:fld>
-            <a:endParaRPr lang="en-US" dirty="0"/>
+            <a:endParaRPr lang="en-US" dirty="0">
+              <a:effectLst>
+                <a:outerShdw blurRad="38100" dist="38100" dir="2700000" algn="tl">
+                  <a:srgbClr val="000000">
+                    <a:alpha val="43137"/>
+                  </a:srgbClr>
+                </a:outerShdw>
+              </a:effectLst>
+            </a:endParaRPr>
           </a:p>
         </p:txBody>
       </p:sp>
@@ -13906,11 +14302,7 @@
             </a:r>
             <a:r>
               <a:rPr lang="ja-JP" altLang="en-US" dirty="0" smtClean="0"/>
-              <a:t>個人の</a:t>
-            </a:r>
-            <a:r>
-              <a:rPr lang="ja-JP" altLang="en-US" dirty="0" smtClean="0"/>
-              <a:t>振り返り　　叶　欣</a:t>
+              <a:t>個人の振り返り　　叶　欣</a:t>
             </a:r>
             <a:endParaRPr kumimoji="1" lang="ja-JP" altLang="en-US" dirty="0"/>
           </a:p>
@@ -13932,10 +14324,26 @@
           <a:lstStyle/>
           <a:p>
             <a:r>
-              <a:rPr lang="en-US" altLang="ja-JP" smtClean="0"/>
+              <a:rPr lang="en-US" altLang="ja-JP" smtClean="0">
+                <a:effectLst>
+                  <a:outerShdw blurRad="38100" dist="38100" dir="2700000" algn="tl">
+                    <a:srgbClr val="000000">
+                      <a:alpha val="43137"/>
+                    </a:srgbClr>
+                  </a:outerShdw>
+                </a:effectLst>
+              </a:rPr>
               <a:t>2018/7/30</a:t>
             </a:r>
-            <a:endParaRPr lang="en-US" dirty="0"/>
+            <a:endParaRPr lang="en-US" dirty="0">
+              <a:effectLst>
+                <a:outerShdw blurRad="38100" dist="38100" dir="2700000" algn="tl">
+                  <a:srgbClr val="000000">
+                    <a:alpha val="43137"/>
+                  </a:srgbClr>
+                </a:outerShdw>
+              </a:effectLst>
+            </a:endParaRPr>
           </a:p>
         </p:txBody>
       </p:sp>
@@ -13955,10 +14363,26 @@
           <a:lstStyle/>
           <a:p>
             <a:fld id="{4CE482DC-2269-4F26-9D2A-7E44B1A4CD85}" type="slidenum">
-              <a:rPr lang="en-US" smtClean="0"/>
+              <a:rPr lang="en-US" smtClean="0">
+                <a:effectLst>
+                  <a:outerShdw blurRad="38100" dist="38100" dir="2700000" algn="tl">
+                    <a:srgbClr val="000000">
+                      <a:alpha val="43137"/>
+                    </a:srgbClr>
+                  </a:outerShdw>
+                </a:effectLst>
+              </a:rPr>
               <a:t>22</a:t>
             </a:fld>
-            <a:endParaRPr lang="en-US" dirty="0"/>
+            <a:endParaRPr lang="en-US" dirty="0">
+              <a:effectLst>
+                <a:outerShdw blurRad="38100" dist="38100" dir="2700000" algn="tl">
+                  <a:srgbClr val="000000">
+                    <a:alpha val="43137"/>
+                  </a:srgbClr>
+                </a:outerShdw>
+              </a:effectLst>
+            </a:endParaRPr>
           </a:p>
         </p:txBody>
       </p:sp>
@@ -14334,11 +14758,7 @@
             </a:r>
             <a:r>
               <a:rPr lang="ja-JP" altLang="en-US" dirty="0" smtClean="0"/>
-              <a:t>個人の</a:t>
-            </a:r>
-            <a:r>
-              <a:rPr lang="ja-JP" altLang="en-US" dirty="0" smtClean="0"/>
-              <a:t>振り返り　　片倉　貴和子</a:t>
+              <a:t>個人の振り返り　　片倉　貴和子</a:t>
             </a:r>
             <a:endParaRPr kumimoji="1" lang="ja-JP" altLang="en-US" dirty="0"/>
           </a:p>
@@ -14360,10 +14780,26 @@
           <a:lstStyle/>
           <a:p>
             <a:r>
-              <a:rPr lang="en-US" altLang="ja-JP" smtClean="0"/>
+              <a:rPr lang="en-US" altLang="ja-JP" smtClean="0">
+                <a:effectLst>
+                  <a:outerShdw blurRad="38100" dist="38100" dir="2700000" algn="tl">
+                    <a:srgbClr val="000000">
+                      <a:alpha val="43137"/>
+                    </a:srgbClr>
+                  </a:outerShdw>
+                </a:effectLst>
+              </a:rPr>
               <a:t>2018/7/30</a:t>
             </a:r>
-            <a:endParaRPr lang="en-US" dirty="0"/>
+            <a:endParaRPr lang="en-US" dirty="0">
+              <a:effectLst>
+                <a:outerShdw blurRad="38100" dist="38100" dir="2700000" algn="tl">
+                  <a:srgbClr val="000000">
+                    <a:alpha val="43137"/>
+                  </a:srgbClr>
+                </a:outerShdw>
+              </a:effectLst>
+            </a:endParaRPr>
           </a:p>
         </p:txBody>
       </p:sp>
@@ -14383,10 +14819,26 @@
           <a:lstStyle/>
           <a:p>
             <a:fld id="{4CE482DC-2269-4F26-9D2A-7E44B1A4CD85}" type="slidenum">
-              <a:rPr lang="en-US" smtClean="0"/>
+              <a:rPr lang="en-US" smtClean="0">
+                <a:effectLst>
+                  <a:outerShdw blurRad="38100" dist="38100" dir="2700000" algn="tl">
+                    <a:srgbClr val="000000">
+                      <a:alpha val="43137"/>
+                    </a:srgbClr>
+                  </a:outerShdw>
+                </a:effectLst>
+              </a:rPr>
               <a:t>23</a:t>
             </a:fld>
-            <a:endParaRPr lang="en-US" dirty="0"/>
+            <a:endParaRPr lang="en-US" dirty="0">
+              <a:effectLst>
+                <a:outerShdw blurRad="38100" dist="38100" dir="2700000" algn="tl">
+                  <a:srgbClr val="000000">
+                    <a:alpha val="43137"/>
+                  </a:srgbClr>
+                </a:outerShdw>
+              </a:effectLst>
+            </a:endParaRPr>
           </a:p>
         </p:txBody>
       </p:sp>
@@ -14754,11 +15206,7 @@
             </a:r>
             <a:r>
               <a:rPr lang="ja-JP" altLang="en-US" dirty="0" smtClean="0"/>
-              <a:t>個人の</a:t>
-            </a:r>
-            <a:r>
-              <a:rPr lang="ja-JP" altLang="en-US" dirty="0" smtClean="0"/>
-              <a:t>振り返り　　加藤　雄己</a:t>
+              <a:t>個人の振り返り　　加藤　雄己</a:t>
             </a:r>
             <a:endParaRPr kumimoji="1" lang="ja-JP" altLang="en-US" dirty="0"/>
           </a:p>
@@ -14780,10 +15228,26 @@
           <a:lstStyle/>
           <a:p>
             <a:r>
-              <a:rPr lang="en-US" altLang="ja-JP" smtClean="0"/>
+              <a:rPr lang="en-US" altLang="ja-JP" smtClean="0">
+                <a:effectLst>
+                  <a:outerShdw blurRad="38100" dist="38100" dir="2700000" algn="tl">
+                    <a:srgbClr val="000000">
+                      <a:alpha val="43137"/>
+                    </a:srgbClr>
+                  </a:outerShdw>
+                </a:effectLst>
+              </a:rPr>
               <a:t>2018/7/30</a:t>
             </a:r>
-            <a:endParaRPr lang="en-US" dirty="0"/>
+            <a:endParaRPr lang="en-US" dirty="0">
+              <a:effectLst>
+                <a:outerShdw blurRad="38100" dist="38100" dir="2700000" algn="tl">
+                  <a:srgbClr val="000000">
+                    <a:alpha val="43137"/>
+                  </a:srgbClr>
+                </a:outerShdw>
+              </a:effectLst>
+            </a:endParaRPr>
           </a:p>
         </p:txBody>
       </p:sp>
@@ -14803,10 +15267,26 @@
           <a:lstStyle/>
           <a:p>
             <a:fld id="{4CE482DC-2269-4F26-9D2A-7E44B1A4CD85}" type="slidenum">
-              <a:rPr lang="en-US" smtClean="0"/>
+              <a:rPr lang="en-US" smtClean="0">
+                <a:effectLst>
+                  <a:outerShdw blurRad="38100" dist="38100" dir="2700000" algn="tl">
+                    <a:srgbClr val="000000">
+                      <a:alpha val="43137"/>
+                    </a:srgbClr>
+                  </a:outerShdw>
+                </a:effectLst>
+              </a:rPr>
               <a:t>24</a:t>
             </a:fld>
-            <a:endParaRPr lang="en-US" dirty="0"/>
+            <a:endParaRPr lang="en-US" dirty="0">
+              <a:effectLst>
+                <a:outerShdw blurRad="38100" dist="38100" dir="2700000" algn="tl">
+                  <a:srgbClr val="000000">
+                    <a:alpha val="43137"/>
+                  </a:srgbClr>
+                </a:outerShdw>
+              </a:effectLst>
+            </a:endParaRPr>
           </a:p>
         </p:txBody>
       </p:sp>
@@ -15174,11 +15654,7 @@
             </a:r>
             <a:r>
               <a:rPr lang="ja-JP" altLang="en-US" dirty="0" smtClean="0"/>
-              <a:t>個人の</a:t>
-            </a:r>
-            <a:r>
-              <a:rPr lang="ja-JP" altLang="en-US" dirty="0" smtClean="0"/>
-              <a:t>振り返り　　鈴木　諒</a:t>
+              <a:t>個人の振り返り　　鈴木　諒</a:t>
             </a:r>
             <a:endParaRPr kumimoji="1" lang="ja-JP" altLang="en-US" dirty="0"/>
           </a:p>
@@ -15200,10 +15676,26 @@
           <a:lstStyle/>
           <a:p>
             <a:r>
-              <a:rPr lang="en-US" altLang="ja-JP" smtClean="0"/>
+              <a:rPr lang="en-US" altLang="ja-JP" smtClean="0">
+                <a:effectLst>
+                  <a:outerShdw blurRad="38100" dist="38100" dir="2700000" algn="tl">
+                    <a:srgbClr val="000000">
+                      <a:alpha val="43137"/>
+                    </a:srgbClr>
+                  </a:outerShdw>
+                </a:effectLst>
+              </a:rPr>
               <a:t>2018/7/30</a:t>
             </a:r>
-            <a:endParaRPr lang="en-US" dirty="0"/>
+            <a:endParaRPr lang="en-US" dirty="0">
+              <a:effectLst>
+                <a:outerShdw blurRad="38100" dist="38100" dir="2700000" algn="tl">
+                  <a:srgbClr val="000000">
+                    <a:alpha val="43137"/>
+                  </a:srgbClr>
+                </a:outerShdw>
+              </a:effectLst>
+            </a:endParaRPr>
           </a:p>
         </p:txBody>
       </p:sp>
@@ -15223,10 +15715,26 @@
           <a:lstStyle/>
           <a:p>
             <a:fld id="{4CE482DC-2269-4F26-9D2A-7E44B1A4CD85}" type="slidenum">
-              <a:rPr lang="en-US" smtClean="0"/>
+              <a:rPr lang="en-US" smtClean="0">
+                <a:effectLst>
+                  <a:outerShdw blurRad="38100" dist="38100" dir="2700000" algn="tl">
+                    <a:srgbClr val="000000">
+                      <a:alpha val="43137"/>
+                    </a:srgbClr>
+                  </a:outerShdw>
+                </a:effectLst>
+              </a:rPr>
               <a:t>25</a:t>
             </a:fld>
-            <a:endParaRPr lang="en-US" dirty="0"/>
+            <a:endParaRPr lang="en-US" dirty="0">
+              <a:effectLst>
+                <a:outerShdw blurRad="38100" dist="38100" dir="2700000" algn="tl">
+                  <a:srgbClr val="000000">
+                    <a:alpha val="43137"/>
+                  </a:srgbClr>
+                </a:outerShdw>
+              </a:effectLst>
+            </a:endParaRPr>
           </a:p>
         </p:txBody>
       </p:sp>
@@ -15594,11 +16102,7 @@
             </a:r>
             <a:r>
               <a:rPr lang="ja-JP" altLang="en-US" dirty="0" smtClean="0"/>
-              <a:t>個人の</a:t>
-            </a:r>
-            <a:r>
-              <a:rPr lang="ja-JP" altLang="en-US" dirty="0" smtClean="0"/>
-              <a:t>振り返り　　松村　美聡</a:t>
+              <a:t>個人の振り返り　　松村　美聡</a:t>
             </a:r>
             <a:endParaRPr kumimoji="1" lang="ja-JP" altLang="en-US" dirty="0"/>
           </a:p>
@@ -15620,10 +16124,26 @@
           <a:lstStyle/>
           <a:p>
             <a:r>
-              <a:rPr lang="en-US" altLang="ja-JP" smtClean="0"/>
+              <a:rPr lang="en-US" altLang="ja-JP" smtClean="0">
+                <a:effectLst>
+                  <a:outerShdw blurRad="38100" dist="38100" dir="2700000" algn="tl">
+                    <a:srgbClr val="000000">
+                      <a:alpha val="43137"/>
+                    </a:srgbClr>
+                  </a:outerShdw>
+                </a:effectLst>
+              </a:rPr>
               <a:t>2018/7/30</a:t>
             </a:r>
-            <a:endParaRPr lang="en-US" dirty="0"/>
+            <a:endParaRPr lang="en-US" dirty="0">
+              <a:effectLst>
+                <a:outerShdw blurRad="38100" dist="38100" dir="2700000" algn="tl">
+                  <a:srgbClr val="000000">
+                    <a:alpha val="43137"/>
+                  </a:srgbClr>
+                </a:outerShdw>
+              </a:effectLst>
+            </a:endParaRPr>
           </a:p>
         </p:txBody>
       </p:sp>
@@ -15643,10 +16163,26 @@
           <a:lstStyle/>
           <a:p>
             <a:fld id="{4CE482DC-2269-4F26-9D2A-7E44B1A4CD85}" type="slidenum">
-              <a:rPr lang="en-US" smtClean="0"/>
+              <a:rPr lang="en-US" smtClean="0">
+                <a:effectLst>
+                  <a:outerShdw blurRad="38100" dist="38100" dir="2700000" algn="tl">
+                    <a:srgbClr val="000000">
+                      <a:alpha val="43137"/>
+                    </a:srgbClr>
+                  </a:outerShdw>
+                </a:effectLst>
+              </a:rPr>
               <a:t>26</a:t>
             </a:fld>
-            <a:endParaRPr lang="en-US" dirty="0"/>
+            <a:endParaRPr lang="en-US" dirty="0">
+              <a:effectLst>
+                <a:outerShdw blurRad="38100" dist="38100" dir="2700000" algn="tl">
+                  <a:srgbClr val="000000">
+                    <a:alpha val="43137"/>
+                  </a:srgbClr>
+                </a:outerShdw>
+              </a:effectLst>
+            </a:endParaRPr>
           </a:p>
         </p:txBody>
       </p:sp>
@@ -16122,10 +16658,26 @@
           <a:lstStyle/>
           <a:p>
             <a:r>
-              <a:rPr lang="en-US" altLang="ja-JP" smtClean="0"/>
+              <a:rPr lang="en-US" altLang="ja-JP" smtClean="0">
+                <a:effectLst>
+                  <a:outerShdw blurRad="38100" dist="38100" dir="2700000" algn="tl">
+                    <a:srgbClr val="000000">
+                      <a:alpha val="43137"/>
+                    </a:srgbClr>
+                  </a:outerShdw>
+                </a:effectLst>
+              </a:rPr>
               <a:t>2018/7/30</a:t>
             </a:r>
-            <a:endParaRPr lang="en-US" dirty="0"/>
+            <a:endParaRPr lang="en-US" dirty="0">
+              <a:effectLst>
+                <a:outerShdw blurRad="38100" dist="38100" dir="2700000" algn="tl">
+                  <a:srgbClr val="000000">
+                    <a:alpha val="43137"/>
+                  </a:srgbClr>
+                </a:outerShdw>
+              </a:effectLst>
+            </a:endParaRPr>
           </a:p>
         </p:txBody>
       </p:sp>
@@ -16145,10 +16697,26 @@
           <a:lstStyle/>
           <a:p>
             <a:fld id="{4CE482DC-2269-4F26-9D2A-7E44B1A4CD85}" type="slidenum">
-              <a:rPr lang="en-US" smtClean="0"/>
+              <a:rPr lang="en-US" smtClean="0">
+                <a:effectLst>
+                  <a:outerShdw blurRad="38100" dist="38100" dir="2700000" algn="tl">
+                    <a:srgbClr val="000000">
+                      <a:alpha val="43137"/>
+                    </a:srgbClr>
+                  </a:outerShdw>
+                </a:effectLst>
+              </a:rPr>
               <a:t>3</a:t>
             </a:fld>
-            <a:endParaRPr lang="en-US" dirty="0"/>
+            <a:endParaRPr lang="en-US" dirty="0">
+              <a:effectLst>
+                <a:outerShdw blurRad="38100" dist="38100" dir="2700000" algn="tl">
+                  <a:srgbClr val="000000">
+                    <a:alpha val="43137"/>
+                  </a:srgbClr>
+                </a:outerShdw>
+              </a:effectLst>
+            </a:endParaRPr>
           </a:p>
         </p:txBody>
       </p:sp>
@@ -16559,10 +17127,26 @@
           <a:lstStyle/>
           <a:p>
             <a:r>
-              <a:rPr lang="en-US" altLang="ja-JP" smtClean="0"/>
+              <a:rPr lang="en-US" altLang="ja-JP" smtClean="0">
+                <a:effectLst>
+                  <a:outerShdw blurRad="38100" dist="38100" dir="2700000" algn="tl">
+                    <a:srgbClr val="000000">
+                      <a:alpha val="43137"/>
+                    </a:srgbClr>
+                  </a:outerShdw>
+                </a:effectLst>
+              </a:rPr>
               <a:t>2018/7/30</a:t>
             </a:r>
-            <a:endParaRPr lang="en-US" dirty="0"/>
+            <a:endParaRPr lang="en-US" dirty="0">
+              <a:effectLst>
+                <a:outerShdw blurRad="38100" dist="38100" dir="2700000" algn="tl">
+                  <a:srgbClr val="000000">
+                    <a:alpha val="43137"/>
+                  </a:srgbClr>
+                </a:outerShdw>
+              </a:effectLst>
+            </a:endParaRPr>
           </a:p>
         </p:txBody>
       </p:sp>
@@ -16582,10 +17166,26 @@
           <a:lstStyle/>
           <a:p>
             <a:fld id="{4CE482DC-2269-4F26-9D2A-7E44B1A4CD85}" type="slidenum">
-              <a:rPr lang="en-US" smtClean="0"/>
+              <a:rPr lang="en-US" smtClean="0">
+                <a:effectLst>
+                  <a:outerShdw blurRad="38100" dist="38100" dir="2700000" algn="tl">
+                    <a:srgbClr val="000000">
+                      <a:alpha val="43137"/>
+                    </a:srgbClr>
+                  </a:outerShdw>
+                </a:effectLst>
+              </a:rPr>
               <a:t>4</a:t>
             </a:fld>
-            <a:endParaRPr lang="en-US" dirty="0"/>
+            <a:endParaRPr lang="en-US" dirty="0">
+              <a:effectLst>
+                <a:outerShdw blurRad="38100" dist="38100" dir="2700000" algn="tl">
+                  <a:srgbClr val="000000">
+                    <a:alpha val="43137"/>
+                  </a:srgbClr>
+                </a:outerShdw>
+              </a:effectLst>
+            </a:endParaRPr>
           </a:p>
         </p:txBody>
       </p:sp>
@@ -16884,10 +17484,26 @@
           <a:lstStyle/>
           <a:p>
             <a:r>
-              <a:rPr lang="en-US" altLang="ja-JP" smtClean="0"/>
+              <a:rPr lang="en-US" altLang="ja-JP" smtClean="0">
+                <a:effectLst>
+                  <a:outerShdw blurRad="38100" dist="38100" dir="2700000" algn="tl">
+                    <a:srgbClr val="000000">
+                      <a:alpha val="43137"/>
+                    </a:srgbClr>
+                  </a:outerShdw>
+                </a:effectLst>
+              </a:rPr>
               <a:t>2018/7/30</a:t>
             </a:r>
-            <a:endParaRPr lang="en-US" dirty="0"/>
+            <a:endParaRPr lang="en-US" dirty="0">
+              <a:effectLst>
+                <a:outerShdw blurRad="38100" dist="38100" dir="2700000" algn="tl">
+                  <a:srgbClr val="000000">
+                    <a:alpha val="43137"/>
+                  </a:srgbClr>
+                </a:outerShdw>
+              </a:effectLst>
+            </a:endParaRPr>
           </a:p>
         </p:txBody>
       </p:sp>
@@ -16907,10 +17523,26 @@
           <a:lstStyle/>
           <a:p>
             <a:fld id="{4CE482DC-2269-4F26-9D2A-7E44B1A4CD85}" type="slidenum">
-              <a:rPr lang="en-US" smtClean="0"/>
+              <a:rPr lang="en-US" smtClean="0">
+                <a:effectLst>
+                  <a:outerShdw blurRad="38100" dist="38100" dir="2700000" algn="tl">
+                    <a:srgbClr val="000000">
+                      <a:alpha val="43137"/>
+                    </a:srgbClr>
+                  </a:outerShdw>
+                </a:effectLst>
+              </a:rPr>
               <a:t>5</a:t>
             </a:fld>
-            <a:endParaRPr lang="en-US" dirty="0"/>
+            <a:endParaRPr lang="en-US" dirty="0">
+              <a:effectLst>
+                <a:outerShdw blurRad="38100" dist="38100" dir="2700000" algn="tl">
+                  <a:srgbClr val="000000">
+                    <a:alpha val="43137"/>
+                  </a:srgbClr>
+                </a:outerShdw>
+              </a:effectLst>
+            </a:endParaRPr>
           </a:p>
         </p:txBody>
       </p:sp>
@@ -17063,10 +17695,26 @@
           <a:lstStyle/>
           <a:p>
             <a:r>
-              <a:rPr lang="en-US" altLang="ja-JP" smtClean="0"/>
+              <a:rPr lang="en-US" altLang="ja-JP" smtClean="0">
+                <a:effectLst>
+                  <a:outerShdw blurRad="38100" dist="38100" dir="2700000" algn="tl">
+                    <a:srgbClr val="000000">
+                      <a:alpha val="43137"/>
+                    </a:srgbClr>
+                  </a:outerShdw>
+                </a:effectLst>
+              </a:rPr>
               <a:t>2018/7/30</a:t>
             </a:r>
-            <a:endParaRPr lang="en-US" dirty="0"/>
+            <a:endParaRPr lang="en-US" dirty="0">
+              <a:effectLst>
+                <a:outerShdw blurRad="38100" dist="38100" dir="2700000" algn="tl">
+                  <a:srgbClr val="000000">
+                    <a:alpha val="43137"/>
+                  </a:srgbClr>
+                </a:outerShdw>
+              </a:effectLst>
+            </a:endParaRPr>
           </a:p>
         </p:txBody>
       </p:sp>
@@ -17086,10 +17734,26 @@
           <a:lstStyle/>
           <a:p>
             <a:fld id="{4CE482DC-2269-4F26-9D2A-7E44B1A4CD85}" type="slidenum">
-              <a:rPr lang="en-US" smtClean="0"/>
+              <a:rPr lang="en-US" smtClean="0">
+                <a:effectLst>
+                  <a:outerShdw blurRad="38100" dist="38100" dir="2700000" algn="tl">
+                    <a:srgbClr val="000000">
+                      <a:alpha val="43137"/>
+                    </a:srgbClr>
+                  </a:outerShdw>
+                </a:effectLst>
+              </a:rPr>
               <a:t>6</a:t>
             </a:fld>
-            <a:endParaRPr lang="en-US" dirty="0"/>
+            <a:endParaRPr lang="en-US" dirty="0">
+              <a:effectLst>
+                <a:outerShdw blurRad="38100" dist="38100" dir="2700000" algn="tl">
+                  <a:srgbClr val="000000">
+                    <a:alpha val="43137"/>
+                  </a:srgbClr>
+                </a:outerShdw>
+              </a:effectLst>
+            </a:endParaRPr>
           </a:p>
         </p:txBody>
       </p:sp>
@@ -17809,10 +18473,26 @@
           <a:lstStyle/>
           <a:p>
             <a:r>
-              <a:rPr lang="en-US" altLang="ja-JP" smtClean="0"/>
+              <a:rPr lang="en-US" altLang="ja-JP" smtClean="0">
+                <a:effectLst>
+                  <a:outerShdw blurRad="38100" dist="38100" dir="2700000" algn="tl">
+                    <a:srgbClr val="000000">
+                      <a:alpha val="43137"/>
+                    </a:srgbClr>
+                  </a:outerShdw>
+                </a:effectLst>
+              </a:rPr>
               <a:t>2018/7/30</a:t>
             </a:r>
-            <a:endParaRPr lang="en-US" dirty="0"/>
+            <a:endParaRPr lang="en-US" dirty="0">
+              <a:effectLst>
+                <a:outerShdw blurRad="38100" dist="38100" dir="2700000" algn="tl">
+                  <a:srgbClr val="000000">
+                    <a:alpha val="43137"/>
+                  </a:srgbClr>
+                </a:outerShdw>
+              </a:effectLst>
+            </a:endParaRPr>
           </a:p>
         </p:txBody>
       </p:sp>
@@ -17832,10 +18512,26 @@
           <a:lstStyle/>
           <a:p>
             <a:fld id="{4CE482DC-2269-4F26-9D2A-7E44B1A4CD85}" type="slidenum">
-              <a:rPr lang="en-US" smtClean="0"/>
+              <a:rPr lang="en-US" smtClean="0">
+                <a:effectLst>
+                  <a:outerShdw blurRad="38100" dist="38100" dir="2700000" algn="tl">
+                    <a:srgbClr val="000000">
+                      <a:alpha val="43137"/>
+                    </a:srgbClr>
+                  </a:outerShdw>
+                </a:effectLst>
+              </a:rPr>
               <a:t>7</a:t>
             </a:fld>
-            <a:endParaRPr lang="en-US" dirty="0"/>
+            <a:endParaRPr lang="en-US" dirty="0">
+              <a:effectLst>
+                <a:outerShdw blurRad="38100" dist="38100" dir="2700000" algn="tl">
+                  <a:srgbClr val="000000">
+                    <a:alpha val="43137"/>
+                  </a:srgbClr>
+                </a:outerShdw>
+              </a:effectLst>
+            </a:endParaRPr>
           </a:p>
         </p:txBody>
       </p:sp>
@@ -17980,10 +18676,26 @@
           <a:lstStyle/>
           <a:p>
             <a:r>
-              <a:rPr lang="en-US" altLang="ja-JP" smtClean="0"/>
+              <a:rPr lang="en-US" altLang="ja-JP" smtClean="0">
+                <a:effectLst>
+                  <a:outerShdw blurRad="38100" dist="38100" dir="2700000" algn="tl">
+                    <a:srgbClr val="000000">
+                      <a:alpha val="43137"/>
+                    </a:srgbClr>
+                  </a:outerShdw>
+                </a:effectLst>
+              </a:rPr>
               <a:t>2018/7/30</a:t>
             </a:r>
-            <a:endParaRPr lang="en-US" dirty="0"/>
+            <a:endParaRPr lang="en-US" dirty="0">
+              <a:effectLst>
+                <a:outerShdw blurRad="38100" dist="38100" dir="2700000" algn="tl">
+                  <a:srgbClr val="000000">
+                    <a:alpha val="43137"/>
+                  </a:srgbClr>
+                </a:outerShdw>
+              </a:effectLst>
+            </a:endParaRPr>
           </a:p>
         </p:txBody>
       </p:sp>
@@ -18003,10 +18715,26 @@
           <a:lstStyle/>
           <a:p>
             <a:fld id="{4CE482DC-2269-4F26-9D2A-7E44B1A4CD85}" type="slidenum">
-              <a:rPr lang="en-US" smtClean="0"/>
+              <a:rPr lang="en-US" smtClean="0">
+                <a:effectLst>
+                  <a:outerShdw blurRad="38100" dist="38100" dir="2700000" algn="tl">
+                    <a:srgbClr val="000000">
+                      <a:alpha val="43137"/>
+                    </a:srgbClr>
+                  </a:outerShdw>
+                </a:effectLst>
+              </a:rPr>
               <a:t>8</a:t>
             </a:fld>
-            <a:endParaRPr lang="en-US" dirty="0"/>
+            <a:endParaRPr lang="en-US" dirty="0">
+              <a:effectLst>
+                <a:outerShdw blurRad="38100" dist="38100" dir="2700000" algn="tl">
+                  <a:srgbClr val="000000">
+                    <a:alpha val="43137"/>
+                  </a:srgbClr>
+                </a:outerShdw>
+              </a:effectLst>
+            </a:endParaRPr>
           </a:p>
         </p:txBody>
       </p:sp>
@@ -18611,10 +19339,26 @@
           <a:lstStyle/>
           <a:p>
             <a:r>
-              <a:rPr lang="en-US" altLang="ja-JP" smtClean="0"/>
+              <a:rPr lang="en-US" altLang="ja-JP" smtClean="0">
+                <a:effectLst>
+                  <a:outerShdw blurRad="38100" dist="38100" dir="2700000" algn="tl">
+                    <a:srgbClr val="000000">
+                      <a:alpha val="43137"/>
+                    </a:srgbClr>
+                  </a:outerShdw>
+                </a:effectLst>
+              </a:rPr>
               <a:t>2018/7/30</a:t>
             </a:r>
-            <a:endParaRPr lang="en-US" dirty="0"/>
+            <a:endParaRPr lang="en-US" dirty="0">
+              <a:effectLst>
+                <a:outerShdw blurRad="38100" dist="38100" dir="2700000" algn="tl">
+                  <a:srgbClr val="000000">
+                    <a:alpha val="43137"/>
+                  </a:srgbClr>
+                </a:outerShdw>
+              </a:effectLst>
+            </a:endParaRPr>
           </a:p>
         </p:txBody>
       </p:sp>
@@ -18634,10 +19378,26 @@
           <a:lstStyle/>
           <a:p>
             <a:fld id="{4CE482DC-2269-4F26-9D2A-7E44B1A4CD85}" type="slidenum">
-              <a:rPr lang="en-US" smtClean="0"/>
+              <a:rPr lang="en-US" smtClean="0">
+                <a:effectLst>
+                  <a:outerShdw blurRad="38100" dist="38100" dir="2700000" algn="tl">
+                    <a:srgbClr val="000000">
+                      <a:alpha val="43137"/>
+                    </a:srgbClr>
+                  </a:outerShdw>
+                </a:effectLst>
+              </a:rPr>
               <a:t>9</a:t>
             </a:fld>
-            <a:endParaRPr lang="en-US" dirty="0"/>
+            <a:endParaRPr lang="en-US" dirty="0">
+              <a:effectLst>
+                <a:outerShdw blurRad="38100" dist="38100" dir="2700000" algn="tl">
+                  <a:srgbClr val="000000">
+                    <a:alpha val="43137"/>
+                  </a:srgbClr>
+                </a:outerShdw>
+              </a:effectLst>
+            </a:endParaRPr>
           </a:p>
         </p:txBody>
       </p:sp>
@@ -18737,15 +19497,6 @@
                         </a:rPr>
                         <a:t>用語</a:t>
                       </a:r>
-                      <a:endParaRPr kumimoji="1" lang="ja-JP" altLang="en-US" sz="2800" dirty="0" smtClean="0">
-                        <a:effectLst>
-                          <a:outerShdw blurRad="38100" dist="38100" dir="2700000" algn="tl">
-                            <a:srgbClr val="000000">
-                              <a:alpha val="43137"/>
-                            </a:srgbClr>
-                          </a:outerShdw>
-                        </a:effectLst>
-                      </a:endParaRPr>
                     </a:p>
                   </a:txBody>
                   <a:tcPr anchor="ctr"/>
@@ -18910,11 +19661,7 @@
                       </a:pPr>
                       <a:r>
                         <a:rPr kumimoji="1" lang="ja-JP" altLang="en-US" sz="2400" dirty="0" smtClean="0"/>
-                        <a:t>フリーツアーの項目に登録できる</a:t>
-                      </a:r>
-                      <a:r>
-                        <a:rPr kumimoji="1" lang="ja-JP" altLang="en-US" sz="2400" dirty="0" smtClean="0"/>
-                        <a:t>場所。</a:t>
+                        <a:t>フリーツアーの項目に登録できる場所。</a:t>
                       </a:r>
                       <a:r>
                         <a:rPr kumimoji="1" lang="en-US" altLang="ja-JP" sz="2400" dirty="0" smtClean="0"/>
@@ -18928,7 +19675,6 @@
                         <a:rPr kumimoji="1" lang="en-US" altLang="ja-JP" sz="2400" dirty="0" smtClean="0"/>
                         <a:t>)</a:t>
                       </a:r>
-                      <a:endParaRPr kumimoji="1" lang="en-US" altLang="ja-JP" sz="2400" dirty="0" smtClean="0"/>
                     </a:p>
                   </a:txBody>
                   <a:tcPr anchor="ctr"/>
@@ -18963,15 +19709,7 @@
                       </a:pPr>
                       <a:r>
                         <a:rPr kumimoji="1" lang="ja-JP" altLang="en-US" sz="2400" dirty="0" smtClean="0"/>
-                        <a:t>あおい商事の自社商品：スポットで参加できる有料のツアー</a:t>
-                      </a:r>
-                      <a:r>
-                        <a:rPr kumimoji="1" lang="ja-JP" altLang="en-US" sz="2400" dirty="0" smtClean="0"/>
-                        <a:t>。あおい</a:t>
-                      </a:r>
-                      <a:r>
-                        <a:rPr kumimoji="1" lang="ja-JP" altLang="en-US" sz="2400" dirty="0" smtClean="0"/>
-                        <a:t>商事にも仲介手数料が入る。</a:t>
+                        <a:t>あおい商事の自社商品：スポットで参加できる有料のツアー。あおい商事にも仲介手数料が入る。</a:t>
                       </a:r>
                       <a:endParaRPr kumimoji="1" lang="en-US" altLang="ja-JP" sz="2400" dirty="0" smtClean="0"/>
                     </a:p>

--- a/グループQ_BlackPepper発表用_yo_07292128.pptx
+++ b/グループQ_BlackPepper発表用_yo_07292128.pptx
@@ -5,7 +5,7 @@
     <p:sldMasterId id="2147483685" r:id="rId1"/>
   </p:sldMasterIdLst>
   <p:notesMasterIdLst>
-    <p:notesMasterId r:id="rId28"/>
+    <p:notesMasterId r:id="rId29"/>
   </p:notesMasterIdLst>
   <p:sldIdLst>
     <p:sldId id="256" r:id="rId2"/>
@@ -34,6 +34,7 @@
     <p:sldId id="300" r:id="rId25"/>
     <p:sldId id="301" r:id="rId26"/>
     <p:sldId id="302" r:id="rId27"/>
+    <p:sldId id="306" r:id="rId28"/>
   </p:sldIdLst>
   <p:sldSz cx="9144000" cy="6858000" type="screen4x3"/>
   <p:notesSz cx="6858000" cy="9144000"/>
@@ -1188,6 +1189,90 @@
     <p:extLst>
       <p:ext uri="{BB962C8B-B14F-4D97-AF65-F5344CB8AC3E}">
         <p14:creationId xmlns:p14="http://schemas.microsoft.com/office/powerpoint/2010/main" val="4138715991"/>
+      </p:ext>
+    </p:extLst>
+  </p:cSld>
+  <p:clrMapOvr>
+    <a:masterClrMapping/>
+  </p:clrMapOvr>
+</p:notes>
+</file>
+
+<file path=ppt/notesSlides/notesSlide9.xml><?xml version="1.0" encoding="utf-8"?>
+<p:notes xmlns:a="http://schemas.openxmlformats.org/drawingml/2006/main" xmlns:r="http://schemas.openxmlformats.org/officeDocument/2006/relationships" xmlns:p="http://schemas.openxmlformats.org/presentationml/2006/main">
+  <p:cSld>
+    <p:spTree>
+      <p:nvGrpSpPr>
+        <p:cNvPr id="1" name=""/>
+        <p:cNvGrpSpPr/>
+        <p:nvPr/>
+      </p:nvGrpSpPr>
+      <p:grpSpPr>
+        <a:xfrm>
+          <a:off x="0" y="0"/>
+          <a:ext cx="0" cy="0"/>
+          <a:chOff x="0" y="0"/>
+          <a:chExt cx="0" cy="0"/>
+        </a:xfrm>
+      </p:grpSpPr>
+      <p:sp>
+        <p:nvSpPr>
+          <p:cNvPr id="2" name="スライド イメージ プレースホルダー 1"/>
+          <p:cNvSpPr>
+            <a:spLocks noGrp="1" noRot="1" noChangeAspect="1"/>
+          </p:cNvSpPr>
+          <p:nvPr>
+            <p:ph type="sldImg"/>
+          </p:nvPr>
+        </p:nvSpPr>
+        <p:spPr/>
+      </p:sp>
+      <p:sp>
+        <p:nvSpPr>
+          <p:cNvPr id="3" name="ノート プレースホルダー 2"/>
+          <p:cNvSpPr>
+            <a:spLocks noGrp="1"/>
+          </p:cNvSpPr>
+          <p:nvPr>
+            <p:ph type="body" idx="1"/>
+          </p:nvPr>
+        </p:nvSpPr>
+        <p:spPr/>
+        <p:txBody>
+          <a:bodyPr/>
+          <a:lstStyle/>
+          <a:p>
+            <a:endParaRPr kumimoji="1" lang="ja-JP" altLang="en-US"/>
+          </a:p>
+        </p:txBody>
+      </p:sp>
+      <p:sp>
+        <p:nvSpPr>
+          <p:cNvPr id="4" name="スライド番号プレースホルダー 3"/>
+          <p:cNvSpPr>
+            <a:spLocks noGrp="1"/>
+          </p:cNvSpPr>
+          <p:nvPr>
+            <p:ph type="sldNum" sz="quarter" idx="10"/>
+          </p:nvPr>
+        </p:nvSpPr>
+        <p:spPr/>
+        <p:txBody>
+          <a:bodyPr/>
+          <a:lstStyle/>
+          <a:p>
+            <a:fld id="{64CEE899-EA8C-4236-9AC5-B60DB926AE88}" type="slidenum">
+              <a:rPr kumimoji="1" lang="ja-JP" altLang="en-US" smtClean="0"/>
+              <a:t>27</a:t>
+            </a:fld>
+            <a:endParaRPr kumimoji="1" lang="ja-JP" altLang="en-US"/>
+          </a:p>
+        </p:txBody>
+      </p:sp>
+    </p:spTree>
+    <p:extLst>
+      <p:ext uri="{BB962C8B-B14F-4D97-AF65-F5344CB8AC3E}">
+        <p14:creationId xmlns:p14="http://schemas.microsoft.com/office/powerpoint/2010/main" val="1332161959"/>
       </p:ext>
     </p:extLst>
   </p:cSld>
@@ -16494,6 +16579,235 @@
     <p:extLst>
       <p:ext uri="{BB962C8B-B14F-4D97-AF65-F5344CB8AC3E}">
         <p14:creationId xmlns:p14="http://schemas.microsoft.com/office/powerpoint/2010/main" val="3395151663"/>
+      </p:ext>
+    </p:extLst>
+  </p:cSld>
+  <p:clrMapOvr>
+    <a:masterClrMapping/>
+  </p:clrMapOvr>
+  <p:timing>
+    <p:tnLst>
+      <p:par>
+        <p:cTn id="1" dur="indefinite" restart="never" nodeType="tmRoot"/>
+      </p:par>
+    </p:tnLst>
+  </p:timing>
+</p:sld>
+</file>
+
+<file path=ppt/slides/slide27.xml><?xml version="1.0" encoding="utf-8"?>
+<p:sld xmlns:a="http://schemas.openxmlformats.org/drawingml/2006/main" xmlns:r="http://schemas.openxmlformats.org/officeDocument/2006/relationships" xmlns:p="http://schemas.openxmlformats.org/presentationml/2006/main">
+  <p:cSld>
+    <p:spTree>
+      <p:nvGrpSpPr>
+        <p:cNvPr id="1" name=""/>
+        <p:cNvGrpSpPr/>
+        <p:nvPr/>
+      </p:nvGrpSpPr>
+      <p:grpSpPr>
+        <a:xfrm>
+          <a:off x="0" y="0"/>
+          <a:ext cx="0" cy="0"/>
+          <a:chOff x="0" y="0"/>
+          <a:chExt cx="0" cy="0"/>
+        </a:xfrm>
+      </p:grpSpPr>
+      <p:pic>
+        <p:nvPicPr>
+          <p:cNvPr id="6" name="図 5"/>
+          <p:cNvPicPr>
+            <a:picLocks noChangeAspect="1"/>
+          </p:cNvPicPr>
+          <p:nvPr/>
+        </p:nvPicPr>
+        <p:blipFill>
+          <a:blip r:embed="rId3">
+            <a:extLst>
+              <a:ext uri="{28A0092B-C50C-407E-A947-70E740481C1C}">
+                <a14:useLocalDpi xmlns:a14="http://schemas.microsoft.com/office/drawing/2010/main" val="0"/>
+              </a:ext>
+            </a:extLst>
+          </a:blip>
+          <a:stretch>
+            <a:fillRect/>
+          </a:stretch>
+        </p:blipFill>
+        <p:spPr>
+          <a:xfrm>
+            <a:off x="0" y="0"/>
+            <a:ext cx="9715500" cy="6858000"/>
+          </a:xfrm>
+          <a:prstGeom prst="rect">
+            <a:avLst/>
+          </a:prstGeom>
+        </p:spPr>
+      </p:pic>
+      <p:sp>
+        <p:nvSpPr>
+          <p:cNvPr id="7" name="正方形/長方形 6"/>
+          <p:cNvSpPr/>
+          <p:nvPr/>
+        </p:nvSpPr>
+        <p:spPr>
+          <a:xfrm>
+            <a:off x="1" y="0"/>
+            <a:ext cx="9759042" cy="6858000"/>
+          </a:xfrm>
+          <a:prstGeom prst="rect">
+            <a:avLst/>
+          </a:prstGeom>
+          <a:gradFill flip="none" rotWithShape="1">
+            <a:gsLst>
+              <a:gs pos="45000">
+                <a:schemeClr val="bg1">
+                  <a:alpha val="30000"/>
+                </a:schemeClr>
+              </a:gs>
+              <a:gs pos="100000">
+                <a:schemeClr val="accent2">
+                  <a:alpha val="30000"/>
+                </a:schemeClr>
+              </a:gs>
+            </a:gsLst>
+            <a:lin ang="5400000" scaled="1"/>
+            <a:tileRect/>
+          </a:gradFill>
+          <a:ln>
+            <a:noFill/>
+          </a:ln>
+        </p:spPr>
+        <p:style>
+          <a:lnRef idx="2">
+            <a:schemeClr val="accent1">
+              <a:shade val="50000"/>
+            </a:schemeClr>
+          </a:lnRef>
+          <a:fillRef idx="1">
+            <a:schemeClr val="accent1"/>
+          </a:fillRef>
+          <a:effectRef idx="0">
+            <a:schemeClr val="accent1"/>
+          </a:effectRef>
+          <a:fontRef idx="minor">
+            <a:schemeClr val="lt1"/>
+          </a:fontRef>
+        </p:style>
+        <p:txBody>
+          <a:bodyPr rtlCol="0" anchor="ctr"/>
+          <a:lstStyle/>
+          <a:p>
+            <a:pPr algn="ctr"/>
+            <a:endParaRPr kumimoji="1" lang="ja-JP" altLang="en-US">
+              <a:solidFill>
+                <a:srgbClr val="545E85"/>
+              </a:solidFill>
+            </a:endParaRPr>
+          </a:p>
+        </p:txBody>
+      </p:sp>
+      <p:sp>
+        <p:nvSpPr>
+          <p:cNvPr id="2" name="タイトル 1"/>
+          <p:cNvSpPr>
+            <a:spLocks noGrp="1"/>
+          </p:cNvSpPr>
+          <p:nvPr>
+            <p:ph type="ctrTitle"/>
+          </p:nvPr>
+        </p:nvSpPr>
+        <p:spPr>
+          <a:xfrm>
+            <a:off x="-58057" y="2351314"/>
+            <a:ext cx="9826171" cy="1635845"/>
+          </a:xfrm>
+        </p:spPr>
+        <p:txBody>
+          <a:bodyPr>
+            <a:noAutofit/>
+          </a:bodyPr>
+          <a:lstStyle/>
+          <a:p>
+            <a:pPr algn="ctr"/>
+            <a:r>
+              <a:rPr kumimoji="1" lang="ja-JP" altLang="en-US" dirty="0" smtClean="0">
+                <a:solidFill>
+                  <a:srgbClr val="FFFF00"/>
+                </a:solidFill>
+                <a:effectLst>
+                  <a:outerShdw blurRad="38100" dist="38100" dir="2700000" algn="tl">
+                    <a:srgbClr val="000000">
+                      <a:alpha val="43137"/>
+                    </a:srgbClr>
+                  </a:outerShdw>
+                </a:effectLst>
+              </a:rPr>
+              <a:t>ご清聴ありがとうございました！</a:t>
+            </a:r>
+            <a:endParaRPr kumimoji="1" lang="ja-JP" altLang="en-US" sz="9600" dirty="0">
+              <a:solidFill>
+                <a:srgbClr val="FFFF00"/>
+              </a:solidFill>
+              <a:effectLst>
+                <a:outerShdw blurRad="38100" dist="38100" dir="2700000" algn="tl">
+                  <a:srgbClr val="000000">
+                    <a:alpha val="43137"/>
+                  </a:srgbClr>
+                </a:outerShdw>
+              </a:effectLst>
+            </a:endParaRPr>
+          </a:p>
+        </p:txBody>
+      </p:sp>
+      <p:sp>
+        <p:nvSpPr>
+          <p:cNvPr id="4" name="日付プレースホルダー 3"/>
+          <p:cNvSpPr>
+            <a:spLocks noGrp="1"/>
+          </p:cNvSpPr>
+          <p:nvPr>
+            <p:ph type="dt" sz="half" idx="10"/>
+          </p:nvPr>
+        </p:nvSpPr>
+        <p:spPr/>
+        <p:txBody>
+          <a:bodyPr/>
+          <a:lstStyle/>
+          <a:p>
+            <a:r>
+              <a:rPr lang="en-US" altLang="ja-JP" smtClean="0"/>
+              <a:t>2018/7/30</a:t>
+            </a:r>
+            <a:endParaRPr lang="en-US" dirty="0"/>
+          </a:p>
+        </p:txBody>
+      </p:sp>
+      <p:sp>
+        <p:nvSpPr>
+          <p:cNvPr id="5" name="スライド番号プレースホルダー 4"/>
+          <p:cNvSpPr>
+            <a:spLocks noGrp="1"/>
+          </p:cNvSpPr>
+          <p:nvPr>
+            <p:ph type="sldNum" sz="quarter" idx="12"/>
+          </p:nvPr>
+        </p:nvSpPr>
+        <p:spPr/>
+        <p:txBody>
+          <a:bodyPr/>
+          <a:lstStyle/>
+          <a:p>
+            <a:fld id="{4FAB73BC-B049-4115-A692-8D63A059BFB8}" type="slidenum">
+              <a:rPr lang="en-US" smtClean="0"/>
+              <a:t>27</a:t>
+            </a:fld>
+            <a:endParaRPr lang="en-US" dirty="0"/>
+          </a:p>
+        </p:txBody>
+      </p:sp>
+    </p:spTree>
+    <p:extLst>
+      <p:ext uri="{BB962C8B-B14F-4D97-AF65-F5344CB8AC3E}">
+        <p14:creationId xmlns:p14="http://schemas.microsoft.com/office/powerpoint/2010/main" val="1710857593"/>
       </p:ext>
     </p:extLst>
   </p:cSld>
